--- a/Presentazione.pptx
+++ b/Presentazione.pptx
@@ -225,7 +225,7 @@
           <a:p>
             <a:fld id="{546A33D2-7A29-4573-B93B-94CDFD816AA7}" type="datetimeFigureOut">
               <a:rPr lang="it-IT" smtClean="0"/>
-              <a:t>18/04/2019</a:t>
+              <a:t>05/05/2019</a:t>
             </a:fld>
             <a:endParaRPr lang="it-IT"/>
           </a:p>
@@ -639,7 +639,7 @@
           <a:p>
             <a:fld id="{B57BD223-5D9A-4332-8257-79F883F5AF46}" type="datetimeFigureOut">
               <a:rPr lang="it-IT" smtClean="0"/>
-              <a:t>18/04/2019</a:t>
+              <a:t>05/05/2019</a:t>
             </a:fld>
             <a:endParaRPr lang="it-IT"/>
           </a:p>
@@ -837,7 +837,7 @@
           <a:p>
             <a:fld id="{B57BD223-5D9A-4332-8257-79F883F5AF46}" type="datetimeFigureOut">
               <a:rPr lang="it-IT" smtClean="0"/>
-              <a:t>18/04/2019</a:t>
+              <a:t>05/05/2019</a:t>
             </a:fld>
             <a:endParaRPr lang="it-IT"/>
           </a:p>
@@ -1045,7 +1045,7 @@
           <a:p>
             <a:fld id="{B57BD223-5D9A-4332-8257-79F883F5AF46}" type="datetimeFigureOut">
               <a:rPr lang="it-IT" smtClean="0"/>
-              <a:t>18/04/2019</a:t>
+              <a:t>05/05/2019</a:t>
             </a:fld>
             <a:endParaRPr lang="it-IT"/>
           </a:p>
@@ -1243,7 +1243,7 @@
           <a:p>
             <a:fld id="{B57BD223-5D9A-4332-8257-79F883F5AF46}" type="datetimeFigureOut">
               <a:rPr lang="it-IT" smtClean="0"/>
-              <a:t>18/04/2019</a:t>
+              <a:t>05/05/2019</a:t>
             </a:fld>
             <a:endParaRPr lang="it-IT"/>
           </a:p>
@@ -1518,7 +1518,7 @@
           <a:p>
             <a:fld id="{B57BD223-5D9A-4332-8257-79F883F5AF46}" type="datetimeFigureOut">
               <a:rPr lang="it-IT" smtClean="0"/>
-              <a:t>18/04/2019</a:t>
+              <a:t>05/05/2019</a:t>
             </a:fld>
             <a:endParaRPr lang="it-IT"/>
           </a:p>
@@ -1783,7 +1783,7 @@
           <a:p>
             <a:fld id="{B57BD223-5D9A-4332-8257-79F883F5AF46}" type="datetimeFigureOut">
               <a:rPr lang="it-IT" smtClean="0"/>
-              <a:t>18/04/2019</a:t>
+              <a:t>05/05/2019</a:t>
             </a:fld>
             <a:endParaRPr lang="it-IT"/>
           </a:p>
@@ -2195,7 +2195,7 @@
           <a:p>
             <a:fld id="{B57BD223-5D9A-4332-8257-79F883F5AF46}" type="datetimeFigureOut">
               <a:rPr lang="it-IT" smtClean="0"/>
-              <a:t>18/04/2019</a:t>
+              <a:t>05/05/2019</a:t>
             </a:fld>
             <a:endParaRPr lang="it-IT"/>
           </a:p>
@@ -2336,7 +2336,7 @@
           <a:p>
             <a:fld id="{B57BD223-5D9A-4332-8257-79F883F5AF46}" type="datetimeFigureOut">
               <a:rPr lang="it-IT" smtClean="0"/>
-              <a:t>18/04/2019</a:t>
+              <a:t>05/05/2019</a:t>
             </a:fld>
             <a:endParaRPr lang="it-IT"/>
           </a:p>
@@ -2449,7 +2449,7 @@
           <a:p>
             <a:fld id="{B57BD223-5D9A-4332-8257-79F883F5AF46}" type="datetimeFigureOut">
               <a:rPr lang="it-IT" smtClean="0"/>
-              <a:t>18/04/2019</a:t>
+              <a:t>05/05/2019</a:t>
             </a:fld>
             <a:endParaRPr lang="it-IT"/>
           </a:p>
@@ -2760,7 +2760,7 @@
           <a:p>
             <a:fld id="{B57BD223-5D9A-4332-8257-79F883F5AF46}" type="datetimeFigureOut">
               <a:rPr lang="it-IT" smtClean="0"/>
-              <a:t>18/04/2019</a:t>
+              <a:t>05/05/2019</a:t>
             </a:fld>
             <a:endParaRPr lang="it-IT"/>
           </a:p>
@@ -3048,7 +3048,7 @@
           <a:p>
             <a:fld id="{B57BD223-5D9A-4332-8257-79F883F5AF46}" type="datetimeFigureOut">
               <a:rPr lang="it-IT" smtClean="0"/>
-              <a:t>18/04/2019</a:t>
+              <a:t>05/05/2019</a:t>
             </a:fld>
             <a:endParaRPr lang="it-IT"/>
           </a:p>
@@ -3299,7 +3299,7 @@
           <a:p>
             <a:fld id="{B57BD223-5D9A-4332-8257-79F883F5AF46}" type="datetimeFigureOut">
               <a:rPr lang="it-IT" smtClean="0"/>
-              <a:t>18/04/2019</a:t>
+              <a:t>05/05/2019</a:t>
             </a:fld>
             <a:endParaRPr lang="it-IT"/>
           </a:p>
@@ -4237,8 +4237,8 @@
             </a:p>
           </p:txBody>
         </p:sp>
-        <mc:AlternateContent xmlns:mc="http://schemas.openxmlformats.org/markup-compatibility/2006">
-          <mc:Choice xmlns:a14="http://schemas.microsoft.com/office/drawing/2010/main" Requires="a14">
+        <mc:AlternateContent xmlns:mc="http://schemas.openxmlformats.org/markup-compatibility/2006" xmlns:a14="http://schemas.microsoft.com/office/drawing/2010/main">
+          <mc:Choice Requires="a14">
             <p:sp>
               <p:nvSpPr>
                 <p:cNvPr id="10" name="CasellaDiTesto 9">
@@ -4342,6 +4342,7 @@
                   </a:r>
                 </a:p>
                 <a:p>
+                  <a:pPr/>
                   <a14:m>
                     <m:oMathPara xmlns:m="http://schemas.openxmlformats.org/officeDocument/2006/math">
                       <m:oMathParaPr>
@@ -4355,6 +4356,7 @@
                                 <a:solidFill>
                                   <a:schemeClr val="bg1"/>
                                 </a:solidFill>
+                                <a:latin typeface="Cambria Math" panose="02040503050406030204" pitchFamily="18" charset="0"/>
                               </a:rPr>
                             </m:ctrlPr>
                           </m:sSubPr>
@@ -4364,6 +4366,7 @@
                                 <a:solidFill>
                                   <a:schemeClr val="bg1"/>
                                 </a:solidFill>
+                                <a:latin typeface="Cambria Math" panose="02040503050406030204" pitchFamily="18" charset="0"/>
                               </a:rPr>
                               <m:t>𝑝</m:t>
                             </m:r>
@@ -4374,6 +4377,7 @@
                                 <a:solidFill>
                                   <a:schemeClr val="bg1"/>
                                 </a:solidFill>
+                                <a:latin typeface="Cambria Math" panose="02040503050406030204" pitchFamily="18" charset="0"/>
                               </a:rPr>
                               <m:t>𝑘</m:t>
                             </m:r>
@@ -4384,6 +4388,7 @@
                             <a:solidFill>
                               <a:schemeClr val="bg1"/>
                             </a:solidFill>
+                            <a:latin typeface="Cambria Math" panose="02040503050406030204" pitchFamily="18" charset="0"/>
                           </a:rPr>
                           <m:t>(</m:t>
                         </m:r>
@@ -4392,6 +4397,7 @@
                             <a:solidFill>
                               <a:schemeClr val="bg1"/>
                             </a:solidFill>
+                            <a:latin typeface="Cambria Math" panose="02040503050406030204" pitchFamily="18" charset="0"/>
                           </a:rPr>
                           <m:t>𝑡</m:t>
                         </m:r>
@@ -4400,6 +4406,7 @@
                             <a:solidFill>
                               <a:schemeClr val="bg1"/>
                             </a:solidFill>
+                            <a:latin typeface="Cambria Math" panose="02040503050406030204" pitchFamily="18" charset="0"/>
                           </a:rPr>
                           <m:t>)=</m:t>
                         </m:r>
@@ -4410,6 +4417,7 @@
                                 <a:solidFill>
                                   <a:schemeClr val="bg1"/>
                                 </a:solidFill>
+                                <a:latin typeface="Cambria Math" panose="02040503050406030204" pitchFamily="18" charset="0"/>
                               </a:rPr>
                             </m:ctrlPr>
                           </m:sSubPr>
@@ -4419,6 +4427,7 @@
                                 <a:solidFill>
                                   <a:schemeClr val="bg1"/>
                                 </a:solidFill>
+                                <a:latin typeface="Cambria Math" panose="02040503050406030204" pitchFamily="18" charset="0"/>
                               </a:rPr>
                               <m:t>𝑎</m:t>
                             </m:r>
@@ -4429,6 +4438,7 @@
                                 <a:solidFill>
                                   <a:schemeClr val="bg1"/>
                                 </a:solidFill>
+                                <a:latin typeface="Cambria Math" panose="02040503050406030204" pitchFamily="18" charset="0"/>
                               </a:rPr>
                               <m:t>0</m:t>
                             </m:r>
@@ -4439,6 +4449,7 @@
                             <a:solidFill>
                               <a:schemeClr val="bg1"/>
                             </a:solidFill>
+                            <a:latin typeface="Cambria Math" panose="02040503050406030204" pitchFamily="18" charset="0"/>
                           </a:rPr>
                           <m:t>+</m:t>
                         </m:r>
@@ -4449,6 +4460,7 @@
                                 <a:solidFill>
                                   <a:schemeClr val="bg1"/>
                                 </a:solidFill>
+                                <a:latin typeface="Cambria Math" panose="02040503050406030204" pitchFamily="18" charset="0"/>
                               </a:rPr>
                             </m:ctrlPr>
                           </m:sSubPr>
@@ -4458,6 +4470,7 @@
                                 <a:solidFill>
                                   <a:schemeClr val="bg1"/>
                                 </a:solidFill>
+                                <a:latin typeface="Cambria Math" panose="02040503050406030204" pitchFamily="18" charset="0"/>
                               </a:rPr>
                               <m:t>𝑎</m:t>
                             </m:r>
@@ -4468,6 +4481,7 @@
                                 <a:solidFill>
                                   <a:schemeClr val="bg1"/>
                                 </a:solidFill>
+                                <a:latin typeface="Cambria Math" panose="02040503050406030204" pitchFamily="18" charset="0"/>
                               </a:rPr>
                               <m:t>1</m:t>
                             </m:r>
@@ -4478,6 +4492,7 @@
                             <a:solidFill>
                               <a:schemeClr val="bg1"/>
                             </a:solidFill>
+                            <a:latin typeface="Cambria Math" panose="02040503050406030204" pitchFamily="18" charset="0"/>
                           </a:rPr>
                           <m:t>𝑡</m:t>
                         </m:r>
@@ -4486,6 +4501,7 @@
                             <a:solidFill>
                               <a:schemeClr val="bg1"/>
                             </a:solidFill>
+                            <a:latin typeface="Cambria Math" panose="02040503050406030204" pitchFamily="18" charset="0"/>
                           </a:rPr>
                           <m:t>+</m:t>
                         </m:r>
@@ -4496,6 +4512,7 @@
                                 <a:solidFill>
                                   <a:schemeClr val="bg1"/>
                                 </a:solidFill>
+                                <a:latin typeface="Cambria Math" panose="02040503050406030204" pitchFamily="18" charset="0"/>
                               </a:rPr>
                             </m:ctrlPr>
                           </m:sSubPr>
@@ -4505,6 +4522,7 @@
                                 <a:solidFill>
                                   <a:schemeClr val="bg1"/>
                                 </a:solidFill>
+                                <a:latin typeface="Cambria Math" panose="02040503050406030204" pitchFamily="18" charset="0"/>
                               </a:rPr>
                               <m:t>𝑎</m:t>
                             </m:r>
@@ -4515,6 +4533,7 @@
                                 <a:solidFill>
                                   <a:schemeClr val="bg1"/>
                                 </a:solidFill>
+                                <a:latin typeface="Cambria Math" panose="02040503050406030204" pitchFamily="18" charset="0"/>
                               </a:rPr>
                               <m:t>2</m:t>
                             </m:r>
@@ -4527,6 +4546,7 @@
                                 <a:solidFill>
                                   <a:schemeClr val="bg1"/>
                                 </a:solidFill>
+                                <a:latin typeface="Cambria Math" panose="02040503050406030204" pitchFamily="18" charset="0"/>
                               </a:rPr>
                             </m:ctrlPr>
                           </m:sSupPr>
@@ -4536,6 +4556,7 @@
                                 <a:solidFill>
                                   <a:schemeClr val="bg1"/>
                                 </a:solidFill>
+                                <a:latin typeface="Cambria Math" panose="02040503050406030204" pitchFamily="18" charset="0"/>
                               </a:rPr>
                               <m:t>𝑡</m:t>
                             </m:r>
@@ -4546,6 +4567,7 @@
                                 <a:solidFill>
                                   <a:schemeClr val="bg1"/>
                                 </a:solidFill>
+                                <a:latin typeface="Cambria Math" panose="02040503050406030204" pitchFamily="18" charset="0"/>
                               </a:rPr>
                               <m:t>2</m:t>
                             </m:r>
@@ -4571,6 +4593,7 @@
                   </a:r>
                 </a:p>
                 <a:p>
+                  <a:pPr/>
                   <a14:m>
                     <m:oMathPara xmlns:m="http://schemas.openxmlformats.org/officeDocument/2006/math">
                       <m:oMathParaPr>
@@ -4586,6 +4609,7 @@
                                 <a:solidFill>
                                   <a:schemeClr val="bg1"/>
                                 </a:solidFill>
+                                <a:latin typeface="Cambria Math" panose="02040503050406030204" pitchFamily="18" charset="0"/>
                               </a:rPr>
                             </m:ctrlPr>
                           </m:dPr>
@@ -4597,6 +4621,7 @@
                                     <a:solidFill>
                                       <a:schemeClr val="bg1"/>
                                     </a:solidFill>
+                                    <a:latin typeface="Cambria Math" panose="02040503050406030204" pitchFamily="18" charset="0"/>
                                   </a:rPr>
                                 </m:ctrlPr>
                               </m:eqArrPr>
@@ -4608,6 +4633,7 @@
                                         <a:solidFill>
                                           <a:schemeClr val="bg1"/>
                                         </a:solidFill>
+                                        <a:latin typeface="Cambria Math" panose="02040503050406030204" pitchFamily="18" charset="0"/>
                                       </a:rPr>
                                     </m:ctrlPr>
                                   </m:sSubPr>
@@ -4617,6 +4643,7 @@
                                         <a:solidFill>
                                           <a:schemeClr val="bg1"/>
                                         </a:solidFill>
+                                        <a:latin typeface="Cambria Math" panose="02040503050406030204" pitchFamily="18" charset="0"/>
                                       </a:rPr>
                                       <m:t>𝑝</m:t>
                                     </m:r>
@@ -4627,6 +4654,7 @@
                                         <a:solidFill>
                                           <a:schemeClr val="bg1"/>
                                         </a:solidFill>
+                                        <a:latin typeface="Cambria Math" panose="02040503050406030204" pitchFamily="18" charset="0"/>
                                       </a:rPr>
                                       <m:t>𝑘</m:t>
                                     </m:r>
@@ -4639,6 +4667,7 @@
                                         <a:solidFill>
                                           <a:schemeClr val="bg1"/>
                                         </a:solidFill>
+                                        <a:latin typeface="Cambria Math" panose="02040503050406030204" pitchFamily="18" charset="0"/>
                                       </a:rPr>
                                     </m:ctrlPr>
                                   </m:dPr>
@@ -4650,6 +4679,7 @@
                                             <a:solidFill>
                                               <a:schemeClr val="bg1"/>
                                             </a:solidFill>
+                                            <a:latin typeface="Cambria Math" panose="02040503050406030204" pitchFamily="18" charset="0"/>
                                           </a:rPr>
                                         </m:ctrlPr>
                                       </m:sSubSupPr>
@@ -4659,6 +4689,7 @@
                                             <a:solidFill>
                                               <a:schemeClr val="bg1"/>
                                             </a:solidFill>
+                                            <a:latin typeface="Cambria Math" panose="02040503050406030204" pitchFamily="18" charset="0"/>
                                           </a:rPr>
                                           <m:t>𝑡</m:t>
                                         </m:r>
@@ -4669,6 +4700,7 @@
                                             <a:solidFill>
                                               <a:schemeClr val="bg1"/>
                                             </a:solidFill>
+                                            <a:latin typeface="Cambria Math" panose="02040503050406030204" pitchFamily="18" charset="0"/>
                                           </a:rPr>
                                           <m:t>𝑘</m:t>
                                         </m:r>
@@ -4679,6 +4711,7 @@
                                             <a:solidFill>
                                               <a:schemeClr val="bg1"/>
                                             </a:solidFill>
+                                            <a:latin typeface="Cambria Math" panose="02040503050406030204" pitchFamily="18" charset="0"/>
                                           </a:rPr>
                                           <m:t>𝐴</m:t>
                                         </m:r>
@@ -4691,6 +4724,7 @@
                                     <a:solidFill>
                                       <a:schemeClr val="bg1"/>
                                     </a:solidFill>
+                                    <a:latin typeface="Cambria Math" panose="02040503050406030204" pitchFamily="18" charset="0"/>
                                   </a:rPr>
                                   <m:t>=</m:t>
                                 </m:r>
@@ -4701,6 +4735,7 @@
                                         <a:solidFill>
                                           <a:schemeClr val="bg1"/>
                                         </a:solidFill>
+                                        <a:latin typeface="Cambria Math" panose="02040503050406030204" pitchFamily="18" charset="0"/>
                                       </a:rPr>
                                     </m:ctrlPr>
                                   </m:sSubPr>
@@ -4710,6 +4745,7 @@
                                         <a:solidFill>
                                           <a:schemeClr val="bg1"/>
                                         </a:solidFill>
+                                        <a:latin typeface="Cambria Math" panose="02040503050406030204" pitchFamily="18" charset="0"/>
                                       </a:rPr>
                                       <m:t>𝑎</m:t>
                                     </m:r>
@@ -4720,6 +4756,7 @@
                                         <a:solidFill>
                                           <a:schemeClr val="bg1"/>
                                         </a:solidFill>
+                                        <a:latin typeface="Cambria Math" panose="02040503050406030204" pitchFamily="18" charset="0"/>
                                       </a:rPr>
                                       <m:t>0</m:t>
                                     </m:r>
@@ -4730,6 +4767,7 @@
                                     <a:solidFill>
                                       <a:schemeClr val="bg1"/>
                                     </a:solidFill>
+                                    <a:latin typeface="Cambria Math" panose="02040503050406030204" pitchFamily="18" charset="0"/>
                                   </a:rPr>
                                   <m:t>+</m:t>
                                 </m:r>
@@ -4740,6 +4778,7 @@
                                         <a:solidFill>
                                           <a:schemeClr val="bg1"/>
                                         </a:solidFill>
+                                        <a:latin typeface="Cambria Math" panose="02040503050406030204" pitchFamily="18" charset="0"/>
                                       </a:rPr>
                                     </m:ctrlPr>
                                   </m:sSubPr>
@@ -4749,6 +4788,7 @@
                                         <a:solidFill>
                                           <a:schemeClr val="bg1"/>
                                         </a:solidFill>
+                                        <a:latin typeface="Cambria Math" panose="02040503050406030204" pitchFamily="18" charset="0"/>
                                       </a:rPr>
                                       <m:t>𝑎</m:t>
                                     </m:r>
@@ -4759,6 +4799,7 @@
                                         <a:solidFill>
                                           <a:schemeClr val="bg1"/>
                                         </a:solidFill>
+                                        <a:latin typeface="Cambria Math" panose="02040503050406030204" pitchFamily="18" charset="0"/>
                                       </a:rPr>
                                       <m:t>1</m:t>
                                     </m:r>
@@ -4771,6 +4812,7 @@
                                         <a:solidFill>
                                           <a:schemeClr val="bg1"/>
                                         </a:solidFill>
+                                        <a:latin typeface="Cambria Math" panose="02040503050406030204" pitchFamily="18" charset="0"/>
                                       </a:rPr>
                                     </m:ctrlPr>
                                   </m:sSubSupPr>
@@ -4780,6 +4822,7 @@
                                         <a:solidFill>
                                           <a:schemeClr val="bg1"/>
                                         </a:solidFill>
+                                        <a:latin typeface="Cambria Math" panose="02040503050406030204" pitchFamily="18" charset="0"/>
                                       </a:rPr>
                                       <m:t>𝑡</m:t>
                                     </m:r>
@@ -4790,6 +4833,7 @@
                                         <a:solidFill>
                                           <a:schemeClr val="bg1"/>
                                         </a:solidFill>
+                                        <a:latin typeface="Cambria Math" panose="02040503050406030204" pitchFamily="18" charset="0"/>
                                       </a:rPr>
                                       <m:t>𝑘</m:t>
                                     </m:r>
@@ -4800,6 +4844,7 @@
                                         <a:solidFill>
                                           <a:schemeClr val="bg1"/>
                                         </a:solidFill>
+                                        <a:latin typeface="Cambria Math" panose="02040503050406030204" pitchFamily="18" charset="0"/>
                                       </a:rPr>
                                       <m:t>𝐴</m:t>
                                     </m:r>
@@ -4810,6 +4855,7 @@
                                     <a:solidFill>
                                       <a:schemeClr val="bg1"/>
                                     </a:solidFill>
+                                    <a:latin typeface="Cambria Math" panose="02040503050406030204" pitchFamily="18" charset="0"/>
                                   </a:rPr>
                                   <m:t>+</m:t>
                                 </m:r>
@@ -4820,6 +4866,7 @@
                                         <a:solidFill>
                                           <a:schemeClr val="bg1"/>
                                         </a:solidFill>
+                                        <a:latin typeface="Cambria Math" panose="02040503050406030204" pitchFamily="18" charset="0"/>
                                       </a:rPr>
                                     </m:ctrlPr>
                                   </m:sSubPr>
@@ -4829,6 +4876,7 @@
                                         <a:solidFill>
                                           <a:schemeClr val="bg1"/>
                                         </a:solidFill>
+                                        <a:latin typeface="Cambria Math" panose="02040503050406030204" pitchFamily="18" charset="0"/>
                                       </a:rPr>
                                       <m:t>𝑎</m:t>
                                     </m:r>
@@ -4839,6 +4887,7 @@
                                         <a:solidFill>
                                           <a:schemeClr val="bg1"/>
                                         </a:solidFill>
+                                        <a:latin typeface="Cambria Math" panose="02040503050406030204" pitchFamily="18" charset="0"/>
                                       </a:rPr>
                                       <m:t>2</m:t>
                                     </m:r>
@@ -4851,6 +4900,7 @@
                                         <a:solidFill>
                                           <a:schemeClr val="bg1"/>
                                         </a:solidFill>
+                                        <a:latin typeface="Cambria Math" panose="02040503050406030204" pitchFamily="18" charset="0"/>
                                       </a:rPr>
                                     </m:ctrlPr>
                                   </m:sSupPr>
@@ -4862,6 +4912,7 @@
                                             <a:solidFill>
                                               <a:schemeClr val="bg1"/>
                                             </a:solidFill>
+                                            <a:latin typeface="Cambria Math" panose="02040503050406030204" pitchFamily="18" charset="0"/>
                                           </a:rPr>
                                         </m:ctrlPr>
                                       </m:sSubSupPr>
@@ -4871,6 +4922,7 @@
                                             <a:solidFill>
                                               <a:schemeClr val="bg1"/>
                                             </a:solidFill>
+                                            <a:latin typeface="Cambria Math" panose="02040503050406030204" pitchFamily="18" charset="0"/>
                                           </a:rPr>
                                           <m:t>(</m:t>
                                         </m:r>
@@ -4879,6 +4931,7 @@
                                             <a:solidFill>
                                               <a:schemeClr val="bg1"/>
                                             </a:solidFill>
+                                            <a:latin typeface="Cambria Math" panose="02040503050406030204" pitchFamily="18" charset="0"/>
                                           </a:rPr>
                                           <m:t>𝑡</m:t>
                                         </m:r>
@@ -4889,6 +4942,7 @@
                                             <a:solidFill>
                                               <a:schemeClr val="bg1"/>
                                             </a:solidFill>
+                                            <a:latin typeface="Cambria Math" panose="02040503050406030204" pitchFamily="18" charset="0"/>
                                           </a:rPr>
                                           <m:t>𝑘</m:t>
                                         </m:r>
@@ -4899,6 +4953,7 @@
                                             <a:solidFill>
                                               <a:schemeClr val="bg1"/>
                                             </a:solidFill>
+                                            <a:latin typeface="Cambria Math" panose="02040503050406030204" pitchFamily="18" charset="0"/>
                                           </a:rPr>
                                           <m:t>𝐴</m:t>
                                         </m:r>
@@ -4909,6 +4964,7 @@
                                         <a:solidFill>
                                           <a:schemeClr val="bg1"/>
                                         </a:solidFill>
+                                        <a:latin typeface="Cambria Math" panose="02040503050406030204" pitchFamily="18" charset="0"/>
                                       </a:rPr>
                                       <m:t>)</m:t>
                                     </m:r>
@@ -4919,6 +4975,7 @@
                                         <a:solidFill>
                                           <a:schemeClr val="bg1"/>
                                         </a:solidFill>
+                                        <a:latin typeface="Cambria Math" panose="02040503050406030204" pitchFamily="18" charset="0"/>
                                       </a:rPr>
                                       <m:t>2</m:t>
                                     </m:r>
@@ -4933,6 +4990,7 @@
                                         <a:solidFill>
                                           <a:schemeClr val="bg1"/>
                                         </a:solidFill>
+                                        <a:latin typeface="Cambria Math" panose="02040503050406030204" pitchFamily="18" charset="0"/>
                                       </a:rPr>
                                     </m:ctrlPr>
                                   </m:sSubPr>
@@ -4942,6 +5000,7 @@
                                         <a:solidFill>
                                           <a:schemeClr val="bg1"/>
                                         </a:solidFill>
+                                        <a:latin typeface="Cambria Math" panose="02040503050406030204" pitchFamily="18" charset="0"/>
                                       </a:rPr>
                                       <m:t>𝑝</m:t>
                                     </m:r>
@@ -4952,6 +5011,7 @@
                                         <a:solidFill>
                                           <a:schemeClr val="bg1"/>
                                         </a:solidFill>
+                                        <a:latin typeface="Cambria Math" panose="02040503050406030204" pitchFamily="18" charset="0"/>
                                       </a:rPr>
                                       <m:t>𝑘</m:t>
                                     </m:r>
@@ -4964,6 +5024,7 @@
                                         <a:solidFill>
                                           <a:schemeClr val="bg1"/>
                                         </a:solidFill>
+                                        <a:latin typeface="Cambria Math" panose="02040503050406030204" pitchFamily="18" charset="0"/>
                                       </a:rPr>
                                     </m:ctrlPr>
                                   </m:dPr>
@@ -4975,6 +5036,7 @@
                                             <a:solidFill>
                                               <a:schemeClr val="bg1"/>
                                             </a:solidFill>
+                                            <a:latin typeface="Cambria Math" panose="02040503050406030204" pitchFamily="18" charset="0"/>
                                           </a:rPr>
                                         </m:ctrlPr>
                                       </m:sSubSupPr>
@@ -4984,6 +5046,7 @@
                                             <a:solidFill>
                                               <a:schemeClr val="bg1"/>
                                             </a:solidFill>
+                                            <a:latin typeface="Cambria Math" panose="02040503050406030204" pitchFamily="18" charset="0"/>
                                           </a:rPr>
                                           <m:t>𝑡</m:t>
                                         </m:r>
@@ -4994,6 +5057,7 @@
                                             <a:solidFill>
                                               <a:schemeClr val="bg1"/>
                                             </a:solidFill>
+                                            <a:latin typeface="Cambria Math" panose="02040503050406030204" pitchFamily="18" charset="0"/>
                                           </a:rPr>
                                           <m:t>𝑘</m:t>
                                         </m:r>
@@ -5004,6 +5068,7 @@
                                             <a:solidFill>
                                               <a:schemeClr val="bg1"/>
                                             </a:solidFill>
+                                            <a:latin typeface="Cambria Math" panose="02040503050406030204" pitchFamily="18" charset="0"/>
                                           </a:rPr>
                                           <m:t>𝐵</m:t>
                                         </m:r>
@@ -5016,6 +5081,7 @@
                                     <a:solidFill>
                                       <a:schemeClr val="bg1"/>
                                     </a:solidFill>
+                                    <a:latin typeface="Cambria Math" panose="02040503050406030204" pitchFamily="18" charset="0"/>
                                   </a:rPr>
                                   <m:t>=</m:t>
                                 </m:r>
@@ -5026,6 +5092,7 @@
                                         <a:solidFill>
                                           <a:schemeClr val="bg1"/>
                                         </a:solidFill>
+                                        <a:latin typeface="Cambria Math" panose="02040503050406030204" pitchFamily="18" charset="0"/>
                                       </a:rPr>
                                     </m:ctrlPr>
                                   </m:sSubPr>
@@ -5035,6 +5102,7 @@
                                         <a:solidFill>
                                           <a:schemeClr val="bg1"/>
                                         </a:solidFill>
+                                        <a:latin typeface="Cambria Math" panose="02040503050406030204" pitchFamily="18" charset="0"/>
                                       </a:rPr>
                                       <m:t>𝑎</m:t>
                                     </m:r>
@@ -5045,6 +5113,7 @@
                                         <a:solidFill>
                                           <a:schemeClr val="bg1"/>
                                         </a:solidFill>
+                                        <a:latin typeface="Cambria Math" panose="02040503050406030204" pitchFamily="18" charset="0"/>
                                       </a:rPr>
                                       <m:t>0</m:t>
                                     </m:r>
@@ -5055,6 +5124,7 @@
                                     <a:solidFill>
                                       <a:schemeClr val="bg1"/>
                                     </a:solidFill>
+                                    <a:latin typeface="Cambria Math" panose="02040503050406030204" pitchFamily="18" charset="0"/>
                                   </a:rPr>
                                   <m:t>+</m:t>
                                 </m:r>
@@ -5065,6 +5135,7 @@
                                         <a:solidFill>
                                           <a:schemeClr val="bg1"/>
                                         </a:solidFill>
+                                        <a:latin typeface="Cambria Math" panose="02040503050406030204" pitchFamily="18" charset="0"/>
                                       </a:rPr>
                                     </m:ctrlPr>
                                   </m:sSubPr>
@@ -5074,6 +5145,7 @@
                                         <a:solidFill>
                                           <a:schemeClr val="bg1"/>
                                         </a:solidFill>
+                                        <a:latin typeface="Cambria Math" panose="02040503050406030204" pitchFamily="18" charset="0"/>
                                       </a:rPr>
                                       <m:t>𝑎</m:t>
                                     </m:r>
@@ -5084,6 +5156,7 @@
                                         <a:solidFill>
                                           <a:schemeClr val="bg1"/>
                                         </a:solidFill>
+                                        <a:latin typeface="Cambria Math" panose="02040503050406030204" pitchFamily="18" charset="0"/>
                                       </a:rPr>
                                       <m:t>1</m:t>
                                     </m:r>
@@ -5096,6 +5169,7 @@
                                         <a:solidFill>
                                           <a:schemeClr val="bg1"/>
                                         </a:solidFill>
+                                        <a:latin typeface="Cambria Math" panose="02040503050406030204" pitchFamily="18" charset="0"/>
                                       </a:rPr>
                                     </m:ctrlPr>
                                   </m:sSubSupPr>
@@ -5105,6 +5179,7 @@
                                         <a:solidFill>
                                           <a:schemeClr val="bg1"/>
                                         </a:solidFill>
+                                        <a:latin typeface="Cambria Math" panose="02040503050406030204" pitchFamily="18" charset="0"/>
                                       </a:rPr>
                                       <m:t>𝑡</m:t>
                                     </m:r>
@@ -5115,6 +5190,7 @@
                                         <a:solidFill>
                                           <a:schemeClr val="bg1"/>
                                         </a:solidFill>
+                                        <a:latin typeface="Cambria Math" panose="02040503050406030204" pitchFamily="18" charset="0"/>
                                       </a:rPr>
                                       <m:t>𝑘</m:t>
                                     </m:r>
@@ -5125,6 +5201,7 @@
                                         <a:solidFill>
                                           <a:schemeClr val="bg1"/>
                                         </a:solidFill>
+                                        <a:latin typeface="Cambria Math" panose="02040503050406030204" pitchFamily="18" charset="0"/>
                                       </a:rPr>
                                       <m:t>𝐵</m:t>
                                     </m:r>
@@ -5135,6 +5212,7 @@
                                     <a:solidFill>
                                       <a:schemeClr val="bg1"/>
                                     </a:solidFill>
+                                    <a:latin typeface="Cambria Math" panose="02040503050406030204" pitchFamily="18" charset="0"/>
                                   </a:rPr>
                                   <m:t>+</m:t>
                                 </m:r>
@@ -5145,6 +5223,7 @@
                                         <a:solidFill>
                                           <a:schemeClr val="bg1"/>
                                         </a:solidFill>
+                                        <a:latin typeface="Cambria Math" panose="02040503050406030204" pitchFamily="18" charset="0"/>
                                       </a:rPr>
                                     </m:ctrlPr>
                                   </m:sSubPr>
@@ -5154,6 +5233,7 @@
                                         <a:solidFill>
                                           <a:schemeClr val="bg1"/>
                                         </a:solidFill>
+                                        <a:latin typeface="Cambria Math" panose="02040503050406030204" pitchFamily="18" charset="0"/>
                                       </a:rPr>
                                       <m:t>𝑎</m:t>
                                     </m:r>
@@ -5164,6 +5244,7 @@
                                         <a:solidFill>
                                           <a:schemeClr val="bg1"/>
                                         </a:solidFill>
+                                        <a:latin typeface="Cambria Math" panose="02040503050406030204" pitchFamily="18" charset="0"/>
                                       </a:rPr>
                                       <m:t>2</m:t>
                                     </m:r>
@@ -5176,6 +5257,7 @@
                                         <a:solidFill>
                                           <a:schemeClr val="bg1"/>
                                         </a:solidFill>
+                                        <a:latin typeface="Cambria Math" panose="02040503050406030204" pitchFamily="18" charset="0"/>
                                       </a:rPr>
                                     </m:ctrlPr>
                                   </m:sSupPr>
@@ -5187,6 +5269,7 @@
                                             <a:solidFill>
                                               <a:schemeClr val="bg1"/>
                                             </a:solidFill>
+                                            <a:latin typeface="Cambria Math" panose="02040503050406030204" pitchFamily="18" charset="0"/>
                                           </a:rPr>
                                         </m:ctrlPr>
                                       </m:sSubSupPr>
@@ -5196,6 +5279,7 @@
                                             <a:solidFill>
                                               <a:schemeClr val="bg1"/>
                                             </a:solidFill>
+                                            <a:latin typeface="Cambria Math" panose="02040503050406030204" pitchFamily="18" charset="0"/>
                                           </a:rPr>
                                           <m:t>(</m:t>
                                         </m:r>
@@ -5204,6 +5288,7 @@
                                             <a:solidFill>
                                               <a:schemeClr val="bg1"/>
                                             </a:solidFill>
+                                            <a:latin typeface="Cambria Math" panose="02040503050406030204" pitchFamily="18" charset="0"/>
                                           </a:rPr>
                                           <m:t>𝑡</m:t>
                                         </m:r>
@@ -5214,6 +5299,7 @@
                                             <a:solidFill>
                                               <a:schemeClr val="bg1"/>
                                             </a:solidFill>
+                                            <a:latin typeface="Cambria Math" panose="02040503050406030204" pitchFamily="18" charset="0"/>
                                           </a:rPr>
                                           <m:t>𝑘</m:t>
                                         </m:r>
@@ -5224,6 +5310,7 @@
                                             <a:solidFill>
                                               <a:schemeClr val="bg1"/>
                                             </a:solidFill>
+                                            <a:latin typeface="Cambria Math" panose="02040503050406030204" pitchFamily="18" charset="0"/>
                                           </a:rPr>
                                           <m:t>𝐵</m:t>
                                         </m:r>
@@ -5234,6 +5321,7 @@
                                         <a:solidFill>
                                           <a:schemeClr val="bg1"/>
                                         </a:solidFill>
+                                        <a:latin typeface="Cambria Math" panose="02040503050406030204" pitchFamily="18" charset="0"/>
                                       </a:rPr>
                                       <m:t>)</m:t>
                                     </m:r>
@@ -5244,6 +5332,7 @@
                                         <a:solidFill>
                                           <a:schemeClr val="bg1"/>
                                         </a:solidFill>
+                                        <a:latin typeface="Cambria Math" panose="02040503050406030204" pitchFamily="18" charset="0"/>
                                       </a:rPr>
                                       <m:t>2</m:t>
                                     </m:r>
@@ -5258,6 +5347,7 @@
                                         <a:solidFill>
                                           <a:schemeClr val="bg1"/>
                                         </a:solidFill>
+                                        <a:latin typeface="Cambria Math" panose="02040503050406030204" pitchFamily="18" charset="0"/>
                                       </a:rPr>
                                     </m:ctrlPr>
                                   </m:sSubPr>
@@ -5270,6 +5360,7 @@
                                             <a:solidFill>
                                               <a:schemeClr val="bg1"/>
                                             </a:solidFill>
+                                            <a:latin typeface="Cambria Math" panose="02040503050406030204" pitchFamily="18" charset="0"/>
                                           </a:rPr>
                                         </m:ctrlPr>
                                       </m:accPr>
@@ -5279,6 +5370,7 @@
                                             <a:solidFill>
                                               <a:schemeClr val="bg1"/>
                                             </a:solidFill>
+                                            <a:latin typeface="Cambria Math" panose="02040503050406030204" pitchFamily="18" charset="0"/>
                                           </a:rPr>
                                           <m:t>𝑞</m:t>
                                         </m:r>
@@ -5291,6 +5383,7 @@
                                         <a:solidFill>
                                           <a:schemeClr val="bg1"/>
                                         </a:solidFill>
+                                        <a:latin typeface="Cambria Math" panose="02040503050406030204" pitchFamily="18" charset="0"/>
                                       </a:rPr>
                                       <m:t>𝑘</m:t>
                                     </m:r>
@@ -5301,6 +5394,7 @@
                                     <a:solidFill>
                                       <a:schemeClr val="bg1"/>
                                     </a:solidFill>
+                                    <a:latin typeface="Cambria Math" panose="02040503050406030204" pitchFamily="18" charset="0"/>
                                   </a:rPr>
                                   <m:t>=2</m:t>
                                 </m:r>
@@ -5311,6 +5405,7 @@
                                         <a:solidFill>
                                           <a:schemeClr val="bg1"/>
                                         </a:solidFill>
+                                        <a:latin typeface="Cambria Math" panose="02040503050406030204" pitchFamily="18" charset="0"/>
                                       </a:rPr>
                                     </m:ctrlPr>
                                   </m:sSubPr>
@@ -5320,6 +5415,7 @@
                                         <a:solidFill>
                                           <a:schemeClr val="bg1"/>
                                         </a:solidFill>
+                                        <a:latin typeface="Cambria Math" panose="02040503050406030204" pitchFamily="18" charset="0"/>
                                       </a:rPr>
                                       <m:t>𝑎</m:t>
                                     </m:r>
@@ -5330,6 +5426,7 @@
                                         <a:solidFill>
                                           <a:schemeClr val="bg1"/>
                                         </a:solidFill>
+                                        <a:latin typeface="Cambria Math" panose="02040503050406030204" pitchFamily="18" charset="0"/>
                                       </a:rPr>
                                       <m:t>2</m:t>
                                     </m:r>
@@ -5356,7 +5453,7 @@
               </p:txBody>
             </p:sp>
           </mc:Choice>
-          <mc:Fallback>
+          <mc:Fallback xmlns="">
             <p:sp>
               <p:nvSpPr>
                 <p:cNvPr id="10" name="CasellaDiTesto 9">
@@ -5602,8 +5699,8 @@
             </a:p>
           </p:txBody>
         </p:sp>
-        <mc:AlternateContent xmlns:mc="http://schemas.openxmlformats.org/markup-compatibility/2006">
-          <mc:Choice xmlns:a14="http://schemas.microsoft.com/office/drawing/2010/main" Requires="a14">
+        <mc:AlternateContent xmlns:mc="http://schemas.openxmlformats.org/markup-compatibility/2006" xmlns:a14="http://schemas.microsoft.com/office/drawing/2010/main">
+          <mc:Choice Requires="a14">
             <p:sp>
               <p:nvSpPr>
                 <p:cNvPr id="24" name="CasellaDiTesto 23">
@@ -5960,7 +6057,7 @@
               </p:txBody>
             </p:sp>
           </mc:Choice>
-          <mc:Fallback>
+          <mc:Fallback xmlns="">
             <p:sp>
               <p:nvSpPr>
                 <p:cNvPr id="24" name="CasellaDiTesto 23">
@@ -6957,8 +7054,8 @@
             </a:p>
           </p:txBody>
         </p:sp>
-        <mc:AlternateContent xmlns:mc="http://schemas.openxmlformats.org/markup-compatibility/2006">
-          <mc:Choice xmlns:a14="http://schemas.microsoft.com/office/drawing/2010/main" Requires="a14">
+        <mc:AlternateContent xmlns:mc="http://schemas.openxmlformats.org/markup-compatibility/2006" xmlns:a14="http://schemas.microsoft.com/office/drawing/2010/main">
+          <mc:Choice Requires="a14">
             <p:sp>
               <p:nvSpPr>
                 <p:cNvPr id="10" name="CasellaDiTesto 9">
@@ -7020,6 +7117,7 @@
                   </a:endParaRPr>
                 </a:p>
                 <a:p>
+                  <a:pPr/>
                   <a14:m>
                     <m:oMathPara xmlns:m="http://schemas.openxmlformats.org/officeDocument/2006/math">
                       <m:oMathParaPr>
@@ -7382,7 +7480,7 @@
               </p:txBody>
             </p:sp>
           </mc:Choice>
-          <mc:Fallback>
+          <mc:Fallback xmlns="">
             <p:sp>
               <p:nvSpPr>
                 <p:cNvPr id="10" name="CasellaDiTesto 9">
@@ -17271,8 +17369,8 @@
             </a:p>
           </p:txBody>
         </p:sp>
-        <mc:AlternateContent xmlns:mc="http://schemas.openxmlformats.org/markup-compatibility/2006">
-          <mc:Choice xmlns:a14="http://schemas.microsoft.com/office/drawing/2010/main" Requires="a14">
+        <mc:AlternateContent xmlns:mc="http://schemas.openxmlformats.org/markup-compatibility/2006" xmlns:a14="http://schemas.microsoft.com/office/drawing/2010/main">
+          <mc:Choice Requires="a14">
             <p:sp>
               <p:nvSpPr>
                 <p:cNvPr id="12" name="CasellaDiTesto 11">
@@ -17699,7 +17797,7 @@
               </p:txBody>
             </p:sp>
           </mc:Choice>
-          <mc:Fallback>
+          <mc:Fallback xmlns="">
             <p:sp>
               <p:nvSpPr>
                 <p:cNvPr id="12" name="CasellaDiTesto 11">
@@ -17900,8 +17998,8 @@
             </a:p>
           </p:txBody>
         </p:sp>
-        <mc:AlternateContent xmlns:mc="http://schemas.openxmlformats.org/markup-compatibility/2006">
-          <mc:Choice xmlns:a14="http://schemas.microsoft.com/office/drawing/2010/main" Requires="a14">
+        <mc:AlternateContent xmlns:mc="http://schemas.openxmlformats.org/markup-compatibility/2006" xmlns:a14="http://schemas.microsoft.com/office/drawing/2010/main">
+          <mc:Choice Requires="a14">
             <p:sp>
               <p:nvSpPr>
                 <p:cNvPr id="16" name="CasellaDiTesto 15">
@@ -18517,7 +18615,7 @@
               </p:txBody>
             </p:sp>
           </mc:Choice>
-          <mc:Fallback>
+          <mc:Fallback xmlns="">
             <p:sp>
               <p:nvSpPr>
                 <p:cNvPr id="16" name="CasellaDiTesto 15">
@@ -18718,8 +18816,8 @@
             </a:p>
           </p:txBody>
         </p:sp>
-        <mc:AlternateContent xmlns:mc="http://schemas.openxmlformats.org/markup-compatibility/2006">
-          <mc:Choice xmlns:a14="http://schemas.microsoft.com/office/drawing/2010/main" Requires="a14">
+        <mc:AlternateContent xmlns:mc="http://schemas.openxmlformats.org/markup-compatibility/2006" xmlns:a14="http://schemas.microsoft.com/office/drawing/2010/main">
+          <mc:Choice Requires="a14">
             <p:sp>
               <p:nvSpPr>
                 <p:cNvPr id="26" name="CasellaDiTesto 25">
@@ -18769,6 +18867,7 @@
                   </a:endParaRPr>
                 </a:p>
                 <a:p>
+                  <a:pPr/>
                   <a14:m>
                     <m:oMathPara xmlns:m="http://schemas.openxmlformats.org/officeDocument/2006/math">
                       <m:oMathParaPr>
@@ -18816,6 +18915,7 @@
                                 <a:solidFill>
                                   <a:schemeClr val="bg1"/>
                                 </a:solidFill>
+                                <a:latin typeface="Cambria Math" panose="02040503050406030204" pitchFamily="18" charset="0"/>
                               </a:rPr>
                             </m:ctrlPr>
                           </m:dPr>
@@ -18825,6 +18925,7 @@
                                 <a:solidFill>
                                   <a:schemeClr val="bg1"/>
                                 </a:solidFill>
+                                <a:latin typeface="Cambria Math" panose="02040503050406030204" pitchFamily="18" charset="0"/>
                               </a:rPr>
                               <m:t>𝑡</m:t>
                             </m:r>
@@ -18835,6 +18936,7 @@
                             <a:solidFill>
                               <a:schemeClr val="bg1"/>
                             </a:solidFill>
+                            <a:latin typeface="Cambria Math" panose="02040503050406030204" pitchFamily="18" charset="0"/>
                           </a:rPr>
                           <m:t>=</m:t>
                         </m:r>
@@ -18845,6 +18947,7 @@
                                 <a:solidFill>
                                   <a:schemeClr val="bg1"/>
                                 </a:solidFill>
+                                <a:latin typeface="Cambria Math" panose="02040503050406030204" pitchFamily="18" charset="0"/>
                               </a:rPr>
                             </m:ctrlPr>
                           </m:sSubPr>
@@ -18854,6 +18957,7 @@
                                 <a:solidFill>
                                   <a:schemeClr val="bg1"/>
                                 </a:solidFill>
+                                <a:latin typeface="Cambria Math" panose="02040503050406030204" pitchFamily="18" charset="0"/>
                               </a:rPr>
                               <m:t>𝑞</m:t>
                             </m:r>
@@ -18864,6 +18968,7 @@
                                 <a:solidFill>
                                   <a:schemeClr val="bg1"/>
                                 </a:solidFill>
+                                <a:latin typeface="Cambria Math" panose="02040503050406030204" pitchFamily="18" charset="0"/>
                               </a:rPr>
                               <m:t>𝑘</m:t>
                             </m:r>
@@ -18874,6 +18979,7 @@
                             <a:solidFill>
                               <a:schemeClr val="bg1"/>
                             </a:solidFill>
+                            <a:latin typeface="Cambria Math" panose="02040503050406030204" pitchFamily="18" charset="0"/>
                           </a:rPr>
                           <m:t>+(</m:t>
                         </m:r>
@@ -18884,6 +18990,7 @@
                                 <a:solidFill>
                                   <a:schemeClr val="bg1"/>
                                 </a:solidFill>
+                                <a:latin typeface="Cambria Math" panose="02040503050406030204" pitchFamily="18" charset="0"/>
                               </a:rPr>
                             </m:ctrlPr>
                           </m:sSubPr>
@@ -18893,6 +19000,7 @@
                                 <a:solidFill>
                                   <a:schemeClr val="bg1"/>
                                 </a:solidFill>
+                                <a:latin typeface="Cambria Math" panose="02040503050406030204" pitchFamily="18" charset="0"/>
                               </a:rPr>
                               <m:t>𝑞</m:t>
                             </m:r>
@@ -18903,6 +19011,7 @@
                                 <a:solidFill>
                                   <a:schemeClr val="bg1"/>
                                 </a:solidFill>
+                                <a:latin typeface="Cambria Math" panose="02040503050406030204" pitchFamily="18" charset="0"/>
                               </a:rPr>
                               <m:t>𝑘</m:t>
                             </m:r>
@@ -18911,6 +19020,7 @@
                                 <a:solidFill>
                                   <a:schemeClr val="bg1"/>
                                 </a:solidFill>
+                                <a:latin typeface="Cambria Math" panose="02040503050406030204" pitchFamily="18" charset="0"/>
                               </a:rPr>
                               <m:t>+1</m:t>
                             </m:r>
@@ -18921,6 +19031,7 @@
                             <a:solidFill>
                               <a:schemeClr val="bg1"/>
                             </a:solidFill>
+                            <a:latin typeface="Cambria Math" panose="02040503050406030204" pitchFamily="18" charset="0"/>
                           </a:rPr>
                           <m:t>−</m:t>
                         </m:r>
@@ -18931,6 +19042,7 @@
                                 <a:solidFill>
                                   <a:schemeClr val="bg1"/>
                                 </a:solidFill>
+                                <a:latin typeface="Cambria Math" panose="02040503050406030204" pitchFamily="18" charset="0"/>
                               </a:rPr>
                             </m:ctrlPr>
                           </m:sSubPr>
@@ -18940,6 +19052,7 @@
                                 <a:solidFill>
                                   <a:schemeClr val="bg1"/>
                                 </a:solidFill>
+                                <a:latin typeface="Cambria Math" panose="02040503050406030204" pitchFamily="18" charset="0"/>
                               </a:rPr>
                               <m:t>𝑞</m:t>
                             </m:r>
@@ -18950,6 +19063,7 @@
                                 <a:solidFill>
                                   <a:schemeClr val="bg1"/>
                                 </a:solidFill>
+                                <a:latin typeface="Cambria Math" panose="02040503050406030204" pitchFamily="18" charset="0"/>
                               </a:rPr>
                               <m:t>𝑘</m:t>
                             </m:r>
@@ -18960,6 +19074,7 @@
                             <a:solidFill>
                               <a:schemeClr val="bg1"/>
                             </a:solidFill>
+                            <a:latin typeface="Cambria Math" panose="02040503050406030204" pitchFamily="18" charset="0"/>
                           </a:rPr>
                           <m:t>)</m:t>
                         </m:r>
@@ -18970,6 +19085,7 @@
                                 <a:solidFill>
                                   <a:schemeClr val="bg1"/>
                                 </a:solidFill>
+                                <a:latin typeface="Cambria Math" panose="02040503050406030204" pitchFamily="18" charset="0"/>
                               </a:rPr>
                             </m:ctrlPr>
                           </m:fPr>
@@ -18979,6 +19095,7 @@
                                 <a:solidFill>
                                   <a:schemeClr val="bg1"/>
                                 </a:solidFill>
+                                <a:latin typeface="Cambria Math" panose="02040503050406030204" pitchFamily="18" charset="0"/>
                               </a:rPr>
                               <m:t>𝑡</m:t>
                             </m:r>
@@ -18987,6 +19104,7 @@
                                 <a:solidFill>
                                   <a:schemeClr val="bg1"/>
                                 </a:solidFill>
+                                <a:latin typeface="Cambria Math" panose="02040503050406030204" pitchFamily="18" charset="0"/>
                               </a:rPr>
                               <m:t>−</m:t>
                             </m:r>
@@ -18997,6 +19115,7 @@
                                     <a:solidFill>
                                       <a:schemeClr val="bg1"/>
                                     </a:solidFill>
+                                    <a:latin typeface="Cambria Math" panose="02040503050406030204" pitchFamily="18" charset="0"/>
                                   </a:rPr>
                                 </m:ctrlPr>
                               </m:sSubPr>
@@ -19006,6 +19125,7 @@
                                     <a:solidFill>
                                       <a:schemeClr val="bg1"/>
                                     </a:solidFill>
+                                    <a:latin typeface="Cambria Math" panose="02040503050406030204" pitchFamily="18" charset="0"/>
                                   </a:rPr>
                                   <m:t>𝑡</m:t>
                                 </m:r>
@@ -19016,6 +19136,7 @@
                                     <a:solidFill>
                                       <a:schemeClr val="bg1"/>
                                     </a:solidFill>
+                                    <a:latin typeface="Cambria Math" panose="02040503050406030204" pitchFamily="18" charset="0"/>
                                   </a:rPr>
                                   <m:t>𝑘</m:t>
                                 </m:r>
@@ -19030,6 +19151,7 @@
                                     <a:solidFill>
                                       <a:schemeClr val="bg1"/>
                                     </a:solidFill>
+                                    <a:latin typeface="Cambria Math" panose="02040503050406030204" pitchFamily="18" charset="0"/>
                                   </a:rPr>
                                 </m:ctrlPr>
                               </m:sSubPr>
@@ -19039,6 +19161,7 @@
                                     <a:solidFill>
                                       <a:schemeClr val="bg1"/>
                                     </a:solidFill>
+                                    <a:latin typeface="Cambria Math" panose="02040503050406030204" pitchFamily="18" charset="0"/>
                                   </a:rPr>
                                   <m:t>𝑡</m:t>
                                 </m:r>
@@ -19049,6 +19172,7 @@
                                     <a:solidFill>
                                       <a:schemeClr val="bg1"/>
                                     </a:solidFill>
+                                    <a:latin typeface="Cambria Math" panose="02040503050406030204" pitchFamily="18" charset="0"/>
                                   </a:rPr>
                                   <m:t>𝑘</m:t>
                                 </m:r>
@@ -19057,6 +19181,7 @@
                                     <a:solidFill>
                                       <a:schemeClr val="bg1"/>
                                     </a:solidFill>
+                                    <a:latin typeface="Cambria Math" panose="02040503050406030204" pitchFamily="18" charset="0"/>
                                   </a:rPr>
                                   <m:t>+1</m:t>
                                 </m:r>
@@ -19067,6 +19192,7 @@
                                 <a:solidFill>
                                   <a:schemeClr val="bg1"/>
                                 </a:solidFill>
+                                <a:latin typeface="Cambria Math" panose="02040503050406030204" pitchFamily="18" charset="0"/>
                               </a:rPr>
                               <m:t>−</m:t>
                             </m:r>
@@ -19077,6 +19203,7 @@
                                     <a:solidFill>
                                       <a:schemeClr val="bg1"/>
                                     </a:solidFill>
+                                    <a:latin typeface="Cambria Math" panose="02040503050406030204" pitchFamily="18" charset="0"/>
                                   </a:rPr>
                                 </m:ctrlPr>
                               </m:sSubPr>
@@ -19086,6 +19213,7 @@
                                     <a:solidFill>
                                       <a:schemeClr val="bg1"/>
                                     </a:solidFill>
+                                    <a:latin typeface="Cambria Math" panose="02040503050406030204" pitchFamily="18" charset="0"/>
                                   </a:rPr>
                                   <m:t>𝑡</m:t>
                                 </m:r>
@@ -19096,6 +19224,7 @@
                                     <a:solidFill>
                                       <a:schemeClr val="bg1"/>
                                     </a:solidFill>
+                                    <a:latin typeface="Cambria Math" panose="02040503050406030204" pitchFamily="18" charset="0"/>
                                   </a:rPr>
                                   <m:t>𝑘</m:t>
                                 </m:r>
@@ -19187,7 +19316,7 @@
               </p:txBody>
             </p:sp>
           </mc:Choice>
-          <mc:Fallback>
+          <mc:Fallback xmlns="">
             <p:sp>
               <p:nvSpPr>
                 <p:cNvPr id="26" name="CasellaDiTesto 25">
@@ -19748,6 +19877,7 @@
                               <a:solidFill>
                                 <a:schemeClr val="bg1"/>
                               </a:solidFill>
+                              <a:latin typeface="Cambria Math" panose="02040503050406030204" pitchFamily="18" charset="0"/>
                             </a:rPr>
                           </m:ctrlPr>
                         </m:dPr>
@@ -19759,6 +19889,7 @@
                                   <a:solidFill>
                                     <a:schemeClr val="bg1"/>
                                   </a:solidFill>
+                                  <a:latin typeface="Cambria Math" panose="02040503050406030204" pitchFamily="18" charset="0"/>
                                 </a:rPr>
                               </m:ctrlPr>
                             </m:eqArrPr>
@@ -19770,6 +19901,7 @@
                                       <a:solidFill>
                                         <a:schemeClr val="bg1"/>
                                       </a:solidFill>
+                                      <a:latin typeface="Cambria Math" panose="02040503050406030204" pitchFamily="18" charset="0"/>
                                     </a:rPr>
                                   </m:ctrlPr>
                                 </m:sSubSupPr>
@@ -19779,6 +19911,7 @@
                                       <a:solidFill>
                                         <a:schemeClr val="bg1"/>
                                       </a:solidFill>
+                                      <a:latin typeface="Cambria Math" panose="02040503050406030204" pitchFamily="18" charset="0"/>
                                     </a:rPr>
                                     <m:t>𝑡</m:t>
                                   </m:r>
@@ -19789,6 +19922,7 @@
                                       <a:solidFill>
                                         <a:schemeClr val="bg1"/>
                                       </a:solidFill>
+                                      <a:latin typeface="Cambria Math" panose="02040503050406030204" pitchFamily="18" charset="0"/>
                                     </a:rPr>
                                     <m:t>𝑘</m:t>
                                   </m:r>
@@ -19799,6 +19933,7 @@
                                       <a:solidFill>
                                         <a:schemeClr val="bg1"/>
                                       </a:solidFill>
+                                      <a:latin typeface="Cambria Math" panose="02040503050406030204" pitchFamily="18" charset="0"/>
                                     </a:rPr>
                                     <m:t>𝐴</m:t>
                                   </m:r>
@@ -19809,6 +19944,7 @@
                                   <a:solidFill>
                                     <a:schemeClr val="bg1"/>
                                   </a:solidFill>
+                                  <a:latin typeface="Cambria Math" panose="02040503050406030204" pitchFamily="18" charset="0"/>
                                 </a:rPr>
                                 <m:t>= </m:t>
                               </m:r>
@@ -19819,6 +19955,7 @@
                                       <a:solidFill>
                                         <a:schemeClr val="bg1"/>
                                       </a:solidFill>
+                                      <a:latin typeface="Cambria Math" panose="02040503050406030204" pitchFamily="18" charset="0"/>
                                     </a:rPr>
                                   </m:ctrlPr>
                                 </m:sSubPr>
@@ -19828,6 +19965,7 @@
                                       <a:solidFill>
                                         <a:schemeClr val="bg1"/>
                                       </a:solidFill>
+                                      <a:latin typeface="Cambria Math" panose="02040503050406030204" pitchFamily="18" charset="0"/>
                                     </a:rPr>
                                     <m:t>𝑡</m:t>
                                   </m:r>
@@ -19838,6 +19976,7 @@
                                       <a:solidFill>
                                         <a:schemeClr val="bg1"/>
                                       </a:solidFill>
+                                      <a:latin typeface="Cambria Math" panose="02040503050406030204" pitchFamily="18" charset="0"/>
                                     </a:rPr>
                                     <m:t>𝑘</m:t>
                                   </m:r>
@@ -19848,6 +19987,7 @@
                                   <a:solidFill>
                                     <a:schemeClr val="bg1"/>
                                   </a:solidFill>
+                                  <a:latin typeface="Cambria Math" panose="02040503050406030204" pitchFamily="18" charset="0"/>
                                 </a:rPr>
                                 <m:t>−</m:t>
                               </m:r>
@@ -19858,6 +19998,7 @@
                                       <a:solidFill>
                                         <a:schemeClr val="bg1"/>
                                       </a:solidFill>
+                                      <a:latin typeface="Cambria Math" panose="02040503050406030204" pitchFamily="18" charset="0"/>
                                     </a:rPr>
                                   </m:ctrlPr>
                                 </m:fPr>
@@ -19867,6 +20008,7 @@
                                       <a:solidFill>
                                         <a:schemeClr val="bg1"/>
                                       </a:solidFill>
+                                      <a:latin typeface="Cambria Math" panose="02040503050406030204" pitchFamily="18" charset="0"/>
                                     </a:rPr>
                                     <m:t>∆</m:t>
                                   </m:r>
@@ -19877,6 +20019,7 @@
                                           <a:solidFill>
                                             <a:schemeClr val="bg1"/>
                                           </a:solidFill>
+                                          <a:latin typeface="Cambria Math" panose="02040503050406030204" pitchFamily="18" charset="0"/>
                                         </a:rPr>
                                       </m:ctrlPr>
                                     </m:sSubPr>
@@ -19886,6 +20029,7 @@
                                           <a:solidFill>
                                             <a:schemeClr val="bg1"/>
                                           </a:solidFill>
+                                          <a:latin typeface="Cambria Math" panose="02040503050406030204" pitchFamily="18" charset="0"/>
                                         </a:rPr>
                                         <m:t>𝑡</m:t>
                                       </m:r>
@@ -19896,6 +20040,7 @@
                                           <a:solidFill>
                                             <a:schemeClr val="bg1"/>
                                           </a:solidFill>
+                                          <a:latin typeface="Cambria Math" panose="02040503050406030204" pitchFamily="18" charset="0"/>
                                         </a:rPr>
                                         <m:t>𝑘</m:t>
                                       </m:r>
@@ -19906,6 +20051,7 @@
                                       <a:solidFill>
                                         <a:schemeClr val="bg1"/>
                                       </a:solidFill>
+                                      <a:latin typeface="Cambria Math" panose="02040503050406030204" pitchFamily="18" charset="0"/>
                                     </a:rPr>
                                     <m:t>′</m:t>
                                   </m:r>
@@ -19916,6 +20062,7 @@
                                       <a:solidFill>
                                         <a:schemeClr val="bg1"/>
                                       </a:solidFill>
+                                      <a:latin typeface="Cambria Math" panose="02040503050406030204" pitchFamily="18" charset="0"/>
                                     </a:rPr>
                                     <m:t>2</m:t>
                                   </m:r>
@@ -19930,6 +20077,7 @@
                                       <a:solidFill>
                                         <a:schemeClr val="bg1"/>
                                       </a:solidFill>
+                                      <a:latin typeface="Cambria Math" panose="02040503050406030204" pitchFamily="18" charset="0"/>
                                     </a:rPr>
                                   </m:ctrlPr>
                                 </m:sSubSupPr>
@@ -19939,6 +20087,7 @@
                                       <a:solidFill>
                                         <a:schemeClr val="bg1"/>
                                       </a:solidFill>
+                                      <a:latin typeface="Cambria Math" panose="02040503050406030204" pitchFamily="18" charset="0"/>
                                     </a:rPr>
                                     <m:t>𝑞</m:t>
                                   </m:r>
@@ -19949,6 +20098,7 @@
                                       <a:solidFill>
                                         <a:schemeClr val="bg1"/>
                                       </a:solidFill>
+                                      <a:latin typeface="Cambria Math" panose="02040503050406030204" pitchFamily="18" charset="0"/>
                                     </a:rPr>
                                     <m:t>𝑘</m:t>
                                   </m:r>
@@ -19959,6 +20109,7 @@
                                       <a:solidFill>
                                         <a:schemeClr val="bg1"/>
                                       </a:solidFill>
+                                      <a:latin typeface="Cambria Math" panose="02040503050406030204" pitchFamily="18" charset="0"/>
                                     </a:rPr>
                                     <m:t>𝐴</m:t>
                                   </m:r>
@@ -19969,22 +20120,50 @@
                                   <a:solidFill>
                                     <a:schemeClr val="bg1"/>
                                   </a:solidFill>
+                                  <a:latin typeface="Cambria Math" panose="02040503050406030204" pitchFamily="18" charset="0"/>
                                 </a:rPr>
                                 <m:t>=</m:t>
                               </m:r>
+                              <m:sSub>
+                                <m:sSubPr>
+                                  <m:ctrlPr>
+                                    <a:rPr lang="it-IT" i="1" smtClean="0">
+                                      <a:solidFill>
+                                        <a:schemeClr val="bg1"/>
+                                      </a:solidFill>
+                                      <a:latin typeface="Cambria Math" panose="02040503050406030204" pitchFamily="18" charset="0"/>
+                                    </a:rPr>
+                                  </m:ctrlPr>
+                                </m:sSubPr>
+                                <m:e>
+                                  <m:r>
+                                    <a:rPr lang="it-IT" b="0" i="1" smtClean="0">
+                                      <a:solidFill>
+                                        <a:schemeClr val="bg1"/>
+                                      </a:solidFill>
+                                      <a:latin typeface="Cambria Math" panose="02040503050406030204" pitchFamily="18" charset="0"/>
+                                    </a:rPr>
+                                    <m:t>𝑞</m:t>
+                                  </m:r>
+                                </m:e>
+                                <m:sub>
+                                  <m:r>
+                                    <a:rPr lang="it-IT" b="0" i="1" smtClean="0">
+                                      <a:solidFill>
+                                        <a:schemeClr val="bg1"/>
+                                      </a:solidFill>
+                                      <a:latin typeface="Cambria Math" panose="02040503050406030204" pitchFamily="18" charset="0"/>
+                                    </a:rPr>
+                                    <m:t>𝑙</m:t>
+                                  </m:r>
+                                </m:sub>
+                              </m:sSub>
                               <m:r>
                                 <a:rPr lang="it-IT" i="1">
                                   <a:solidFill>
                                     <a:schemeClr val="bg1"/>
                                   </a:solidFill>
-                                </a:rPr>
-                                <m:t>𝑞</m:t>
-                              </m:r>
-                              <m:r>
-                                <a:rPr lang="it-IT" i="1">
-                                  <a:solidFill>
-                                    <a:schemeClr val="bg1"/>
-                                  </a:solidFill>
+                                  <a:latin typeface="Cambria Math" panose="02040503050406030204" pitchFamily="18" charset="0"/>
                                 </a:rPr>
                                 <m:t>(</m:t>
                               </m:r>
@@ -19995,6 +20174,7 @@
                                       <a:solidFill>
                                         <a:schemeClr val="bg1"/>
                                       </a:solidFill>
+                                      <a:latin typeface="Cambria Math" panose="02040503050406030204" pitchFamily="18" charset="0"/>
                                     </a:rPr>
                                   </m:ctrlPr>
                                 </m:sSubSupPr>
@@ -20004,6 +20184,7 @@
                                       <a:solidFill>
                                         <a:schemeClr val="bg1"/>
                                       </a:solidFill>
+                                      <a:latin typeface="Cambria Math" panose="02040503050406030204" pitchFamily="18" charset="0"/>
                                     </a:rPr>
                                     <m:t>𝑡</m:t>
                                   </m:r>
@@ -20014,6 +20195,7 @@
                                       <a:solidFill>
                                         <a:schemeClr val="bg1"/>
                                       </a:solidFill>
+                                      <a:latin typeface="Cambria Math" panose="02040503050406030204" pitchFamily="18" charset="0"/>
                                     </a:rPr>
                                     <m:t>𝐴</m:t>
                                   </m:r>
@@ -20024,6 +20206,7 @@
                                       <a:solidFill>
                                         <a:schemeClr val="bg1"/>
                                       </a:solidFill>
+                                      <a:latin typeface="Cambria Math" panose="02040503050406030204" pitchFamily="18" charset="0"/>
                                     </a:rPr>
                                     <m:t>𝑘</m:t>
                                   </m:r>
@@ -20034,6 +20217,7 @@
                                   <a:solidFill>
                                     <a:schemeClr val="bg1"/>
                                   </a:solidFill>
+                                  <a:latin typeface="Cambria Math" panose="02040503050406030204" pitchFamily="18" charset="0"/>
                                 </a:rPr>
                                 <m:t>)</m:t>
                               </m:r>
@@ -20071,6 +20255,7 @@
                               <a:solidFill>
                                 <a:schemeClr val="bg1"/>
                               </a:solidFill>
+                              <a:latin typeface="Cambria Math" panose="02040503050406030204" pitchFamily="18" charset="0"/>
                             </a:rPr>
                           </m:ctrlPr>
                         </m:dPr>
@@ -20082,6 +20267,7 @@
                                   <a:solidFill>
                                     <a:schemeClr val="bg1"/>
                                   </a:solidFill>
+                                  <a:latin typeface="Cambria Math" panose="02040503050406030204" pitchFamily="18" charset="0"/>
                                 </a:rPr>
                               </m:ctrlPr>
                             </m:eqArrPr>
@@ -20093,6 +20279,7 @@
                                       <a:solidFill>
                                         <a:schemeClr val="bg1"/>
                                       </a:solidFill>
+                                      <a:latin typeface="Cambria Math" panose="02040503050406030204" pitchFamily="18" charset="0"/>
                                     </a:rPr>
                                   </m:ctrlPr>
                                 </m:sSubSupPr>
@@ -20102,6 +20289,7 @@
                                       <a:solidFill>
                                         <a:schemeClr val="bg1"/>
                                       </a:solidFill>
+                                      <a:latin typeface="Cambria Math" panose="02040503050406030204" pitchFamily="18" charset="0"/>
                                     </a:rPr>
                                     <m:t>𝑡</m:t>
                                   </m:r>
@@ -20112,6 +20300,7 @@
                                       <a:solidFill>
                                         <a:schemeClr val="bg1"/>
                                       </a:solidFill>
+                                      <a:latin typeface="Cambria Math" panose="02040503050406030204" pitchFamily="18" charset="0"/>
                                     </a:rPr>
                                     <m:t>𝑘</m:t>
                                   </m:r>
@@ -20122,6 +20311,7 @@
                                       <a:solidFill>
                                         <a:schemeClr val="bg1"/>
                                       </a:solidFill>
+                                      <a:latin typeface="Cambria Math" panose="02040503050406030204" pitchFamily="18" charset="0"/>
                                     </a:rPr>
                                     <m:t>𝐵</m:t>
                                   </m:r>
@@ -20132,6 +20322,7 @@
                                   <a:solidFill>
                                     <a:schemeClr val="bg1"/>
                                   </a:solidFill>
+                                  <a:latin typeface="Cambria Math" panose="02040503050406030204" pitchFamily="18" charset="0"/>
                                 </a:rPr>
                                 <m:t>= </m:t>
                               </m:r>
@@ -20142,6 +20333,7 @@
                                       <a:solidFill>
                                         <a:schemeClr val="bg1"/>
                                       </a:solidFill>
+                                      <a:latin typeface="Cambria Math" panose="02040503050406030204" pitchFamily="18" charset="0"/>
                                     </a:rPr>
                                   </m:ctrlPr>
                                 </m:sSubPr>
@@ -20151,6 +20343,7 @@
                                       <a:solidFill>
                                         <a:schemeClr val="bg1"/>
                                       </a:solidFill>
+                                      <a:latin typeface="Cambria Math" panose="02040503050406030204" pitchFamily="18" charset="0"/>
                                     </a:rPr>
                                     <m:t>𝑡</m:t>
                                   </m:r>
@@ -20161,6 +20354,7 @@
                                       <a:solidFill>
                                         <a:schemeClr val="bg1"/>
                                       </a:solidFill>
+                                      <a:latin typeface="Cambria Math" panose="02040503050406030204" pitchFamily="18" charset="0"/>
                                     </a:rPr>
                                     <m:t>𝑘</m:t>
                                   </m:r>
@@ -20171,6 +20365,7 @@
                                   <a:solidFill>
                                     <a:schemeClr val="bg1"/>
                                   </a:solidFill>
+                                  <a:latin typeface="Cambria Math" panose="02040503050406030204" pitchFamily="18" charset="0"/>
                                 </a:rPr>
                                 <m:t>+</m:t>
                               </m:r>
@@ -20181,6 +20376,7 @@
                                       <a:solidFill>
                                         <a:schemeClr val="bg1"/>
                                       </a:solidFill>
+                                      <a:latin typeface="Cambria Math" panose="02040503050406030204" pitchFamily="18" charset="0"/>
                                     </a:rPr>
                                   </m:ctrlPr>
                                 </m:fPr>
@@ -20190,6 +20386,7 @@
                                       <a:solidFill>
                                         <a:schemeClr val="bg1"/>
                                       </a:solidFill>
+                                      <a:latin typeface="Cambria Math" panose="02040503050406030204" pitchFamily="18" charset="0"/>
                                     </a:rPr>
                                     <m:t>∆</m:t>
                                   </m:r>
@@ -20200,6 +20397,7 @@
                                           <a:solidFill>
                                             <a:schemeClr val="bg1"/>
                                           </a:solidFill>
+                                          <a:latin typeface="Cambria Math" panose="02040503050406030204" pitchFamily="18" charset="0"/>
                                         </a:rPr>
                                       </m:ctrlPr>
                                     </m:sSubPr>
@@ -20209,6 +20407,7 @@
                                           <a:solidFill>
                                             <a:schemeClr val="bg1"/>
                                           </a:solidFill>
+                                          <a:latin typeface="Cambria Math" panose="02040503050406030204" pitchFamily="18" charset="0"/>
                                         </a:rPr>
                                         <m:t>𝑡</m:t>
                                       </m:r>
@@ -20219,6 +20418,7 @@
                                           <a:solidFill>
                                             <a:schemeClr val="bg1"/>
                                           </a:solidFill>
+                                          <a:latin typeface="Cambria Math" panose="02040503050406030204" pitchFamily="18" charset="0"/>
                                         </a:rPr>
                                         <m:t>𝑘</m:t>
                                       </m:r>
@@ -20229,6 +20429,7 @@
                                       <a:solidFill>
                                         <a:schemeClr val="bg1"/>
                                       </a:solidFill>
+                                      <a:latin typeface="Cambria Math" panose="02040503050406030204" pitchFamily="18" charset="0"/>
                                     </a:rPr>
                                     <m:t>′</m:t>
                                   </m:r>
@@ -20239,6 +20440,7 @@
                                       <a:solidFill>
                                         <a:schemeClr val="bg1"/>
                                       </a:solidFill>
+                                      <a:latin typeface="Cambria Math" panose="02040503050406030204" pitchFamily="18" charset="0"/>
                                     </a:rPr>
                                     <m:t>2</m:t>
                                   </m:r>
@@ -20253,6 +20455,7 @@
                                       <a:solidFill>
                                         <a:schemeClr val="bg1"/>
                                       </a:solidFill>
+                                      <a:latin typeface="Cambria Math" panose="02040503050406030204" pitchFamily="18" charset="0"/>
                                     </a:rPr>
                                   </m:ctrlPr>
                                 </m:sSubSupPr>
@@ -20262,6 +20465,7 @@
                                       <a:solidFill>
                                         <a:schemeClr val="bg1"/>
                                       </a:solidFill>
+                                      <a:latin typeface="Cambria Math" panose="02040503050406030204" pitchFamily="18" charset="0"/>
                                     </a:rPr>
                                     <m:t>𝑞</m:t>
                                   </m:r>
@@ -20272,6 +20476,7 @@
                                       <a:solidFill>
                                         <a:schemeClr val="bg1"/>
                                       </a:solidFill>
+                                      <a:latin typeface="Cambria Math" panose="02040503050406030204" pitchFamily="18" charset="0"/>
                                     </a:rPr>
                                     <m:t>𝑘</m:t>
                                   </m:r>
@@ -20282,6 +20487,7 @@
                                       <a:solidFill>
                                         <a:schemeClr val="bg1"/>
                                       </a:solidFill>
+                                      <a:latin typeface="Cambria Math" panose="02040503050406030204" pitchFamily="18" charset="0"/>
                                     </a:rPr>
                                     <m:t>𝐵</m:t>
                                   </m:r>
@@ -20292,17 +20498,44 @@
                                   <a:solidFill>
                                     <a:schemeClr val="bg1"/>
                                   </a:solidFill>
+                                  <a:latin typeface="Cambria Math" panose="02040503050406030204" pitchFamily="18" charset="0"/>
                                 </a:rPr>
                                 <m:t>=</m:t>
                               </m:r>
-                              <m:r>
-                                <a:rPr lang="it-IT" i="1">
-                                  <a:solidFill>
-                                    <a:schemeClr val="bg1"/>
-                                  </a:solidFill>
-                                </a:rPr>
-                                <m:t>𝑞</m:t>
-                              </m:r>
+                              <m:sSub>
+                                <m:sSubPr>
+                                  <m:ctrlPr>
+                                    <a:rPr lang="it-IT" i="1" smtClean="0">
+                                      <a:solidFill>
+                                        <a:schemeClr val="bg1"/>
+                                      </a:solidFill>
+                                      <a:latin typeface="Cambria Math" panose="02040503050406030204" pitchFamily="18" charset="0"/>
+                                    </a:rPr>
+                                  </m:ctrlPr>
+                                </m:sSubPr>
+                                <m:e>
+                                  <m:r>
+                                    <a:rPr lang="it-IT" b="0" i="1" smtClean="0">
+                                      <a:solidFill>
+                                        <a:schemeClr val="bg1"/>
+                                      </a:solidFill>
+                                      <a:latin typeface="Cambria Math" panose="02040503050406030204" pitchFamily="18" charset="0"/>
+                                    </a:rPr>
+                                    <m:t>𝑞</m:t>
+                                  </m:r>
+                                </m:e>
+                                <m:sub>
+                                  <m:r>
+                                    <a:rPr lang="it-IT" b="0" i="1" smtClean="0">
+                                      <a:solidFill>
+                                        <a:schemeClr val="bg1"/>
+                                      </a:solidFill>
+                                      <a:latin typeface="Cambria Math" panose="02040503050406030204" pitchFamily="18" charset="0"/>
+                                    </a:rPr>
+                                    <m:t>𝑙</m:t>
+                                  </m:r>
+                                </m:sub>
+                              </m:sSub>
                               <m:d>
                                 <m:dPr>
                                   <m:ctrlPr>
@@ -20310,6 +20543,7 @@
                                       <a:solidFill>
                                         <a:schemeClr val="bg1"/>
                                       </a:solidFill>
+                                      <a:latin typeface="Cambria Math" panose="02040503050406030204" pitchFamily="18" charset="0"/>
                                     </a:rPr>
                                   </m:ctrlPr>
                                 </m:dPr>
@@ -20321,6 +20555,7 @@
                                           <a:solidFill>
                                             <a:schemeClr val="bg1"/>
                                           </a:solidFill>
+                                          <a:latin typeface="Cambria Math" panose="02040503050406030204" pitchFamily="18" charset="0"/>
                                         </a:rPr>
                                       </m:ctrlPr>
                                     </m:sSubSupPr>
@@ -20330,6 +20565,7 @@
                                           <a:solidFill>
                                             <a:schemeClr val="bg1"/>
                                           </a:solidFill>
+                                          <a:latin typeface="Cambria Math" panose="02040503050406030204" pitchFamily="18" charset="0"/>
                                         </a:rPr>
                                         <m:t>𝑡</m:t>
                                       </m:r>
@@ -20340,6 +20576,7 @@
                                           <a:solidFill>
                                             <a:schemeClr val="bg1"/>
                                           </a:solidFill>
+                                          <a:latin typeface="Cambria Math" panose="02040503050406030204" pitchFamily="18" charset="0"/>
                                         </a:rPr>
                                         <m:t>𝐵</m:t>
                                       </m:r>
@@ -20350,6 +20587,7 @@
                                           <a:solidFill>
                                             <a:schemeClr val="bg1"/>
                                           </a:solidFill>
+                                          <a:latin typeface="Cambria Math" panose="02040503050406030204" pitchFamily="18" charset="0"/>
                                         </a:rPr>
                                         <m:t>𝑘</m:t>
                                       </m:r>
